--- a/GoodBuyPP.pptx
+++ b/GoodBuyPP.pptx
@@ -107,6 +107,11 @@
       </a:defRPr>
     </a:lvl9pPr>
   </p:defaultTextStyle>
+  <p:extLst>
+    <p:ext uri="{EFAFB233-063F-42B5-8137-9DF3F51BA10A}">
+      <p15:sldGuideLst xmlns:p15="http://schemas.microsoft.com/office/powerpoint/2012/main"/>
+    </p:ext>
+  </p:extLst>
 </p:presentation>
 </file>
 
@@ -300,7 +305,7 @@
             <a:fld id="{B61BEF0D-F0BB-DE4B-95CE-6DB70DBA9567}" type="datetimeFigureOut">
               <a:rPr lang="en-US" dirty="0"/>
               <a:pPr/>
-              <a:t>12/17/2019</a:t>
+              <a:t>12/19/2019</a:t>
             </a:fld>
             <a:endParaRPr lang="en-US" dirty="0"/>
           </a:p>
@@ -733,7 +738,7 @@
             <a:fld id="{B61BEF0D-F0BB-DE4B-95CE-6DB70DBA9567}" type="datetimeFigureOut">
               <a:rPr lang="en-US" dirty="0"/>
               <a:pPr/>
-              <a:t>12/17/2019</a:t>
+              <a:t>12/19/2019</a:t>
             </a:fld>
             <a:endParaRPr lang="en-US" dirty="0"/>
           </a:p>
@@ -978,7 +983,7 @@
             <a:fld id="{B61BEF0D-F0BB-DE4B-95CE-6DB70DBA9567}" type="datetimeFigureOut">
               <a:rPr lang="en-US" dirty="0"/>
               <a:pPr/>
-              <a:t>12/17/2019</a:t>
+              <a:t>12/19/2019</a:t>
             </a:fld>
             <a:endParaRPr lang="en-US" dirty="0"/>
           </a:p>
@@ -1281,7 +1286,7 @@
             <a:fld id="{B61BEF0D-F0BB-DE4B-95CE-6DB70DBA9567}" type="datetimeFigureOut">
               <a:rPr lang="en-US" dirty="0"/>
               <a:pPr/>
-              <a:t>12/17/2019</a:t>
+              <a:t>12/19/2019</a:t>
             </a:fld>
             <a:endParaRPr lang="en-US" dirty="0"/>
           </a:p>
@@ -1594,7 +1599,7 @@
             <a:fld id="{B61BEF0D-F0BB-DE4B-95CE-6DB70DBA9567}" type="datetimeFigureOut">
               <a:rPr lang="en-US" dirty="0"/>
               <a:pPr/>
-              <a:t>12/17/2019</a:t>
+              <a:t>12/19/2019</a:t>
             </a:fld>
             <a:endParaRPr lang="en-US" dirty="0"/>
           </a:p>
@@ -1891,7 +1896,7 @@
             <a:fld id="{B61BEF0D-F0BB-DE4B-95CE-6DB70DBA9567}" type="datetimeFigureOut">
               <a:rPr lang="en-US" dirty="0"/>
               <a:pPr/>
-              <a:t>12/17/2019</a:t>
+              <a:t>12/19/2019</a:t>
             </a:fld>
             <a:endParaRPr lang="en-US" dirty="0"/>
           </a:p>
@@ -2253,7 +2258,7 @@
             <a:fld id="{B61BEF0D-F0BB-DE4B-95CE-6DB70DBA9567}" type="datetimeFigureOut">
               <a:rPr lang="en-US" dirty="0"/>
               <a:pPr/>
-              <a:t>12/17/2019</a:t>
+              <a:t>12/19/2019</a:t>
             </a:fld>
             <a:endParaRPr lang="en-US" dirty="0"/>
           </a:p>
@@ -2424,7 +2429,7 @@
             <a:fld id="{B61BEF0D-F0BB-DE4B-95CE-6DB70DBA9567}" type="datetimeFigureOut">
               <a:rPr lang="en-US" dirty="0"/>
               <a:pPr/>
-              <a:t>12/17/2019</a:t>
+              <a:t>12/19/2019</a:t>
             </a:fld>
             <a:endParaRPr lang="en-US" dirty="0"/>
           </a:p>
@@ -2601,7 +2606,7 @@
             <a:fld id="{B61BEF0D-F0BB-DE4B-95CE-6DB70DBA9567}" type="datetimeFigureOut">
               <a:rPr lang="en-US" dirty="0"/>
               <a:pPr/>
-              <a:t>12/17/2019</a:t>
+              <a:t>12/19/2019</a:t>
             </a:fld>
             <a:endParaRPr lang="en-US" dirty="0"/>
           </a:p>
@@ -2768,7 +2773,7 @@
             <a:fld id="{B61BEF0D-F0BB-DE4B-95CE-6DB70DBA9567}" type="datetimeFigureOut">
               <a:rPr lang="en-US" dirty="0"/>
               <a:pPr/>
-              <a:t>12/17/2019</a:t>
+              <a:t>12/19/2019</a:t>
             </a:fld>
             <a:endParaRPr lang="en-US" dirty="0"/>
           </a:p>
@@ -3013,7 +3018,7 @@
             <a:fld id="{B61BEF0D-F0BB-DE4B-95CE-6DB70DBA9567}" type="datetimeFigureOut">
               <a:rPr lang="en-US" dirty="0"/>
               <a:pPr/>
-              <a:t>12/17/2019</a:t>
+              <a:t>12/19/2019</a:t>
             </a:fld>
             <a:endParaRPr lang="en-US" dirty="0"/>
           </a:p>
@@ -3246,7 +3251,7 @@
             <a:fld id="{B61BEF0D-F0BB-DE4B-95CE-6DB70DBA9567}" type="datetimeFigureOut">
               <a:rPr lang="en-US" dirty="0"/>
               <a:pPr/>
-              <a:t>12/17/2019</a:t>
+              <a:t>12/19/2019</a:t>
             </a:fld>
             <a:endParaRPr lang="en-US" dirty="0"/>
           </a:p>
@@ -3625,7 +3630,7 @@
             <a:fld id="{B61BEF0D-F0BB-DE4B-95CE-6DB70DBA9567}" type="datetimeFigureOut">
               <a:rPr lang="en-US" dirty="0"/>
               <a:pPr/>
-              <a:t>12/17/2019</a:t>
+              <a:t>12/19/2019</a:t>
             </a:fld>
             <a:endParaRPr lang="en-US" dirty="0"/>
           </a:p>
@@ -3740,7 +3745,7 @@
             <a:fld id="{B61BEF0D-F0BB-DE4B-95CE-6DB70DBA9567}" type="datetimeFigureOut">
               <a:rPr lang="en-US" dirty="0"/>
               <a:pPr/>
-              <a:t>12/17/2019</a:t>
+              <a:t>12/19/2019</a:t>
             </a:fld>
             <a:endParaRPr lang="en-US" dirty="0"/>
           </a:p>
@@ -3832,7 +3837,7 @@
             <a:fld id="{B61BEF0D-F0BB-DE4B-95CE-6DB70DBA9567}" type="datetimeFigureOut">
               <a:rPr lang="en-US" dirty="0"/>
               <a:pPr/>
-              <a:t>12/17/2019</a:t>
+              <a:t>12/19/2019</a:t>
             </a:fld>
             <a:endParaRPr lang="en-US" dirty="0"/>
           </a:p>
@@ -4084,7 +4089,7 @@
             <a:fld id="{B61BEF0D-F0BB-DE4B-95CE-6DB70DBA9567}" type="datetimeFigureOut">
               <a:rPr lang="en-US" dirty="0"/>
               <a:pPr/>
-              <a:t>12/17/2019</a:t>
+              <a:t>12/19/2019</a:t>
             </a:fld>
             <a:endParaRPr lang="en-US" dirty="0"/>
           </a:p>
@@ -4364,7 +4369,7 @@
             <a:fld id="{B61BEF0D-F0BB-DE4B-95CE-6DB70DBA9567}" type="datetimeFigureOut">
               <a:rPr lang="en-US" dirty="0"/>
               <a:pPr/>
-              <a:t>12/17/2019</a:t>
+              <a:t>12/19/2019</a:t>
             </a:fld>
             <a:endParaRPr lang="en-US" dirty="0"/>
           </a:p>
@@ -4767,7 +4772,7 @@
             <a:fld id="{B61BEF0D-F0BB-DE4B-95CE-6DB70DBA9567}" type="datetimeFigureOut">
               <a:rPr lang="en-US" dirty="0"/>
               <a:pPr/>
-              <a:t>12/17/2019</a:t>
+              <a:t>12/19/2019</a:t>
             </a:fld>
             <a:endParaRPr lang="en-US" dirty="0"/>
           </a:p>
@@ -5296,24 +5301,39 @@
             <p:ph type="ctrTitle"/>
           </p:nvPr>
         </p:nvSpPr>
-        <p:spPr/>
-        <p:txBody>
-          <a:bodyPr/>
-          <a:lstStyle/>
-          <a:p>
-            <a:r>
-              <a:rPr lang="es-AR" dirty="0" err="1"/>
+        <p:spPr>
+          <a:xfrm>
+            <a:off x="684212" y="685800"/>
+            <a:ext cx="8001000" cy="891210"/>
+          </a:xfrm>
+        </p:spPr>
+        <p:txBody>
+          <a:bodyPr>
+            <a:normAutofit/>
+          </a:bodyPr>
+          <a:lstStyle/>
+          <a:p>
+            <a:r>
+              <a:rPr lang="es-AR" sz="3600" dirty="0" err="1">
+                <a:latin typeface="Arial Black" panose="020B0A04020102020204" pitchFamily="34" charset="0"/>
+              </a:rPr>
               <a:t>GoodBuy</a:t>
             </a:r>
             <a:r>
-              <a:rPr lang="es-AR" dirty="0"/>
+              <a:rPr lang="es-AR" sz="3600" dirty="0">
+                <a:latin typeface="Arial Black" panose="020B0A04020102020204" pitchFamily="34" charset="0"/>
+              </a:rPr>
               <a:t> E-</a:t>
             </a:r>
             <a:r>
-              <a:rPr lang="es-AR" dirty="0" err="1"/>
+              <a:rPr lang="es-AR" sz="3600" dirty="0" err="1">
+                <a:latin typeface="Arial Black" panose="020B0A04020102020204" pitchFamily="34" charset="0"/>
+              </a:rPr>
               <a:t>commerce</a:t>
             </a:r>
-            <a:endParaRPr lang="es-AR" dirty="0"/>
+            <a:endParaRPr lang="es-AR" sz="3600" dirty="0">
+              <a:latin typeface="Arial Black" panose="020B0A04020102020204" pitchFamily="34" charset="0"/>
+            </a:endParaRPr>
           </a:p>
         </p:txBody>
       </p:sp>
@@ -5333,13 +5353,20 @@
             <p:ph type="subTitle" idx="1"/>
           </p:nvPr>
         </p:nvSpPr>
-        <p:spPr/>
-        <p:txBody>
-          <a:bodyPr/>
-          <a:lstStyle/>
-          <a:p>
-            <a:r>
-              <a:rPr lang="es-AR" dirty="0"/>
+        <p:spPr>
+          <a:xfrm>
+            <a:off x="776978" y="2028320"/>
+            <a:ext cx="6400800" cy="891210"/>
+          </a:xfrm>
+        </p:spPr>
+        <p:txBody>
+          <a:bodyPr>
+            <a:normAutofit/>
+          </a:bodyPr>
+          <a:lstStyle/>
+          <a:p>
+            <a:r>
+              <a:rPr lang="es-AR" sz="2400" dirty="0"/>
               <a:t>Proyecto Integrador Digital House 2019</a:t>
             </a:r>
           </a:p>
@@ -5437,7 +5464,7 @@
         <p:spPr>
           <a:xfrm>
             <a:off x="901148" y="1872973"/>
-            <a:ext cx="8317464" cy="369332"/>
+            <a:ext cx="8317464" cy="4154984"/>
           </a:xfrm>
           <a:prstGeom prst="rect">
             <a:avLst/>
@@ -5451,8 +5478,70 @@
           <a:lstStyle/>
           <a:p>
             <a:r>
-              <a:rPr lang="es-AR" dirty="0"/>
-              <a:t>Es una plataforma de comercio electrónico…</a:t>
+              <a:rPr lang="es-AR" sz="2400" dirty="0"/>
+              <a:t>Es una plataforma de comercio electrónico creada con el fin de captar clientes brindando facilidad de compras de productos tecnológicos. </a:t>
+            </a:r>
+          </a:p>
+          <a:p>
+            <a:endParaRPr lang="es-AR" sz="2400" dirty="0"/>
+          </a:p>
+          <a:p>
+            <a:r>
+              <a:rPr lang="es-AR" sz="2400" dirty="0"/>
+              <a:t>Los productos comercializados son:</a:t>
+            </a:r>
+          </a:p>
+          <a:p>
+            <a:endParaRPr lang="es-AR" sz="2400" dirty="0"/>
+          </a:p>
+          <a:p>
+            <a:pPr marL="285750" indent="-285750">
+              <a:buFont typeface="Arial" panose="020B0604020202020204" pitchFamily="34" charset="0"/>
+              <a:buChar char="•"/>
+            </a:pPr>
+            <a:r>
+              <a:rPr lang="es-AR" sz="2400" dirty="0"/>
+              <a:t>Notebooks</a:t>
+            </a:r>
+          </a:p>
+          <a:p>
+            <a:pPr marL="285750" indent="-285750">
+              <a:buFont typeface="Arial" panose="020B0604020202020204" pitchFamily="34" charset="0"/>
+              <a:buChar char="•"/>
+            </a:pPr>
+            <a:r>
+              <a:rPr lang="es-AR" sz="2400" dirty="0"/>
+              <a:t>Smartphones</a:t>
+            </a:r>
+          </a:p>
+          <a:p>
+            <a:pPr marL="285750" indent="-285750">
+              <a:buFont typeface="Arial" panose="020B0604020202020204" pitchFamily="34" charset="0"/>
+              <a:buChar char="•"/>
+            </a:pPr>
+            <a:r>
+              <a:rPr lang="es-AR" sz="2400" dirty="0"/>
+              <a:t>Cámaras Fotográficas</a:t>
+            </a:r>
+          </a:p>
+          <a:p>
+            <a:pPr marL="285750" indent="-285750">
+              <a:buFont typeface="Arial" panose="020B0604020202020204" pitchFamily="34" charset="0"/>
+              <a:buChar char="•"/>
+            </a:pPr>
+            <a:r>
+              <a:rPr lang="es-AR" sz="2400" dirty="0"/>
+              <a:t>Accesorios Informáticos</a:t>
+            </a:r>
+          </a:p>
+          <a:p>
+            <a:pPr marL="285750" indent="-285750">
+              <a:buFont typeface="Arial" panose="020B0604020202020204" pitchFamily="34" charset="0"/>
+              <a:buChar char="•"/>
+            </a:pPr>
+            <a:r>
+              <a:rPr lang="es-AR" sz="2400" dirty="0"/>
+              <a:t>Accesorios de Audio</a:t>
             </a:r>
           </a:p>
         </p:txBody>
@@ -5552,7 +5641,7 @@
           <a:p>
             <a:r>
               <a:rPr lang="es-AR" sz="3200" dirty="0"/>
-              <a:t>Su interfaz lógica esta desarrollada con PHP y Laravel como Framework y base de datos SQL y su aspecto visual desarrollado con HTML, CSS, BOOTSTRAP y JAVASCRIPT.</a:t>
+              <a:t>Su interfaz lógica esta desarrollada con PHP, Laravel (Framework) y base de datos SQL y su aspecto visual con HTML, CSS, BOOTSTRAP y JAVASCRIPT.</a:t>
             </a:r>
           </a:p>
         </p:txBody>
@@ -5615,7 +5704,7 @@
           <a:p>
             <a:r>
               <a:rPr lang="es-AR" dirty="0"/>
-              <a:t>Integrantes:</a:t>
+              <a:t>Integrantes GRUPO 5:</a:t>
             </a:r>
           </a:p>
         </p:txBody>
@@ -5634,8 +5723,8 @@
         </p:nvSpPr>
         <p:spPr>
           <a:xfrm>
-            <a:off x="901148" y="2252870"/>
-            <a:ext cx="9011478" cy="1200329"/>
+            <a:off x="940904" y="2226365"/>
+            <a:ext cx="9011478" cy="1569660"/>
           </a:xfrm>
           <a:prstGeom prst="rect">
             <a:avLst/>
@@ -5653,21 +5742,15 @@
               <a:buChar char="•"/>
             </a:pPr>
             <a:r>
-              <a:rPr lang="es-AR" dirty="0">
-                <a:latin typeface="Arial Black" panose="020B0A04020102020204" pitchFamily="34" charset="0"/>
-              </a:rPr>
+              <a:rPr lang="es-AR" sz="2400" dirty="0"/>
               <a:t>Barros </a:t>
             </a:r>
             <a:r>
-              <a:rPr lang="es-AR" dirty="0" err="1">
-                <a:latin typeface="Arial Black" panose="020B0A04020102020204" pitchFamily="34" charset="0"/>
-              </a:rPr>
+              <a:rPr lang="es-AR" sz="2400" dirty="0" err="1"/>
               <a:t>Raul</a:t>
             </a:r>
             <a:r>
-              <a:rPr lang="es-AR" dirty="0">
-                <a:latin typeface="Arial Black" panose="020B0A04020102020204" pitchFamily="34" charset="0"/>
-              </a:rPr>
+              <a:rPr lang="es-AR" sz="2400" dirty="0"/>
               <a:t> </a:t>
             </a:r>
           </a:p>
@@ -5677,9 +5760,7 @@
               <a:buChar char="•"/>
             </a:pPr>
             <a:r>
-              <a:rPr lang="es-AR" dirty="0">
-                <a:latin typeface="Arial Black" panose="020B0A04020102020204" pitchFamily="34" charset="0"/>
-              </a:rPr>
+              <a:rPr lang="es-AR" sz="2400" dirty="0"/>
               <a:t>Carbajal Cristian</a:t>
             </a:r>
           </a:p>
@@ -5689,9 +5770,7 @@
               <a:buChar char="•"/>
             </a:pPr>
             <a:r>
-              <a:rPr lang="es-AR" dirty="0">
-                <a:latin typeface="Arial Black" panose="020B0A04020102020204" pitchFamily="34" charset="0"/>
-              </a:rPr>
+              <a:rPr lang="es-AR" sz="2400" dirty="0"/>
               <a:t>Carrizo Emanuel</a:t>
             </a:r>
           </a:p>
@@ -5701,9 +5780,7 @@
               <a:buChar char="•"/>
             </a:pPr>
             <a:r>
-              <a:rPr lang="es-AR" dirty="0">
-                <a:latin typeface="Arial Black" panose="020B0A04020102020204" pitchFamily="34" charset="0"/>
-              </a:rPr>
+              <a:rPr lang="es-AR" sz="2400" dirty="0"/>
               <a:t>Esper Alberto</a:t>
             </a:r>
           </a:p>
